--- a/Milestone1_240720.pptx
+++ b/Milestone1_240720.pptx
@@ -819,23 +819,6 @@
               <a:rPr lang="he-IL" dirty="0"/>
               <a:t>שאלה – מהי הדגימה הבאה שעלינו לחזות מבחינת זמן? עשוי להיות הבדל בין חיזוי לעונה יבשה לרטובה למשל....</a:t>
             </a:r>
-          </a:p>
-          <a:p>
-            <a:pPr marL="1143000" lvl="2" indent="-228600" algn="r" rtl="1">
-              <a:buAutoNum type="arabicPeriod"/>
-            </a:pPr>
-            <a:endParaRPr lang="he-IL" dirty="0"/>
-          </a:p>
-          <a:p>
-            <a:pPr marL="228600" lvl="0" indent="-228600" algn="r" rtl="1">
-              <a:buAutoNum type="arabicPeriod"/>
-            </a:pPr>
-            <a:endParaRPr lang="he-IL" dirty="0"/>
-          </a:p>
-          <a:p>
-            <a:pPr marL="685800" lvl="1" indent="-228600">
-              <a:buAutoNum type="arabicPeriod"/>
-            </a:pPr>
             <a:endParaRPr lang="en-IL" dirty="0"/>
           </a:p>
         </p:txBody>
@@ -1068,6 +1051,9 @@
               <a:rPr lang="he-IL" dirty="0"/>
               <a:t>התייחסות במודל שלנו גם לקורלציות שיש בין חיידקים</a:t>
             </a:r>
+          </a:p>
+          <a:p>
+            <a:pPr algn="r" rtl="1"/>
             <a:endParaRPr lang="en-IL" dirty="0"/>
           </a:p>
         </p:txBody>
@@ -1099,6 +1085,219 @@
     <p:extLst>
       <p:ext uri="{BB962C8B-B14F-4D97-AF65-F5344CB8AC3E}">
         <p14:creationId xmlns:p14="http://schemas.microsoft.com/office/powerpoint/2010/main" val="2556935683"/>
+      </p:ext>
+    </p:extLst>
+  </p:cSld>
+  <p:clrMapOvr>
+    <a:masterClrMapping/>
+  </p:clrMapOvr>
+</p:notes>
+</file>
+
+<file path=ppt/notesSlides/notesSlide12.xml><?xml version="1.0" encoding="utf-8"?>
+<p:notes xmlns:a="http://schemas.openxmlformats.org/drawingml/2006/main" xmlns:r="http://schemas.openxmlformats.org/officeDocument/2006/relationships" xmlns:p="http://schemas.openxmlformats.org/presentationml/2006/main">
+  <p:cSld>
+    <p:spTree>
+      <p:nvGrpSpPr>
+        <p:cNvPr id="1" name=""/>
+        <p:cNvGrpSpPr/>
+        <p:nvPr/>
+      </p:nvGrpSpPr>
+      <p:grpSpPr>
+        <a:xfrm>
+          <a:off x="0" y="0"/>
+          <a:ext cx="0" cy="0"/>
+          <a:chOff x="0" y="0"/>
+          <a:chExt cx="0" cy="0"/>
+        </a:xfrm>
+      </p:grpSpPr>
+      <p:sp>
+        <p:nvSpPr>
+          <p:cNvPr id="2" name="Slide Image Placeholder 1"/>
+          <p:cNvSpPr>
+            <a:spLocks noGrp="1" noRot="1" noChangeAspect="1"/>
+          </p:cNvSpPr>
+          <p:nvPr>
+            <p:ph type="sldImg"/>
+          </p:nvPr>
+        </p:nvSpPr>
+        <p:spPr/>
+      </p:sp>
+      <p:sp>
+        <p:nvSpPr>
+          <p:cNvPr id="3" name="Notes Placeholder 2"/>
+          <p:cNvSpPr>
+            <a:spLocks noGrp="1"/>
+          </p:cNvSpPr>
+          <p:nvPr>
+            <p:ph type="body" idx="1"/>
+          </p:nvPr>
+        </p:nvSpPr>
+        <p:spPr/>
+        <p:txBody>
+          <a:bodyPr/>
+          <a:lstStyle/>
+          <a:p>
+            <a:pPr algn="r" rtl="1"/>
+            <a:r>
+              <a:rPr lang="he-IL" dirty="0"/>
+              <a:t>המסקנות שלנו:</a:t>
+            </a:r>
+            <a:br>
+              <a:rPr lang="en-US" dirty="0"/>
+            </a:br>
+            <a:r>
+              <a:rPr lang="he-IL" dirty="0"/>
+              <a:t>1. אפשר להתבסס על הדגימה הקודמת</a:t>
+            </a:r>
+            <a:r>
+              <a:rPr lang="en-US" dirty="0"/>
+              <a:t>/</a:t>
+            </a:r>
+            <a:r>
+              <a:rPr lang="he-IL" dirty="0"/>
+              <a:t> מספר דגימות בכדי לחזות את ההרכב העתידי</a:t>
+            </a:r>
+            <a:r>
+              <a:rPr lang="en-US" dirty="0"/>
+              <a:t> </a:t>
+            </a:r>
+            <a:r>
+              <a:rPr lang="he-IL" dirty="0"/>
+              <a:t> (דגימות קודמות יהוו </a:t>
+            </a:r>
+            <a:r>
+              <a:rPr lang="en-US" dirty="0"/>
+              <a:t>prior</a:t>
+            </a:r>
+            <a:r>
+              <a:rPr lang="he-IL" dirty="0"/>
+              <a:t>).</a:t>
+            </a:r>
+            <a:br>
+              <a:rPr lang="en-US" dirty="0"/>
+            </a:br>
+            <a:r>
+              <a:rPr lang="he-IL" dirty="0"/>
+              <a:t>2. נרצה לשפר את הפרדיקציה למודל שמסתכל גם על הפרשי הזמנים בכדי לחזות את ההרכב. </a:t>
+            </a:r>
+            <a:br>
+              <a:rPr lang="en-US" dirty="0"/>
+            </a:br>
+            <a:r>
+              <a:rPr lang="he-IL" dirty="0"/>
+              <a:t>3. ניכר </a:t>
+            </a:r>
+            <a:r>
+              <a:rPr lang="he-IL" dirty="0" err="1"/>
+              <a:t>שהמטאדטא</a:t>
+            </a:r>
+            <a:r>
+              <a:rPr lang="he-IL" dirty="0"/>
+              <a:t> אינו מאפיין ייחודי לדגימה</a:t>
+            </a:r>
+            <a:r>
+              <a:rPr lang="en-US" dirty="0"/>
+              <a:t>/</a:t>
+            </a:r>
+            <a:r>
+              <a:rPr lang="he-IL" dirty="0"/>
+              <a:t> קוף – ראינו ששני קופים שונים באותה קבוצה חברתית שידגמו באותו שבוע יכולים להציג </a:t>
+            </a:r>
+            <a:r>
+              <a:rPr lang="he-IL" dirty="0" err="1"/>
+              <a:t>מטאדטא</a:t>
+            </a:r>
+            <a:r>
+              <a:rPr lang="he-IL" dirty="0"/>
+              <a:t> זהה למעט גיל, זוויג, ו- </a:t>
+            </a:r>
+            <a:r>
+              <a:rPr lang="en-US" dirty="0"/>
+              <a:t>id</a:t>
+            </a:r>
+            <a:r>
+              <a:rPr lang="he-IL" dirty="0"/>
+              <a:t>. אך אולי ניתן להשתמש </a:t>
+            </a:r>
+            <a:r>
+              <a:rPr lang="he-IL" dirty="0" err="1"/>
+              <a:t>במטאדטא</a:t>
+            </a:r>
+            <a:r>
+              <a:rPr lang="he-IL" dirty="0"/>
+              <a:t> לצורך דיוק התחזית.</a:t>
+            </a:r>
+          </a:p>
+          <a:p>
+            <a:pPr algn="r" rtl="1"/>
+            <a:endParaRPr lang="en-US" dirty="0"/>
+          </a:p>
+          <a:p>
+            <a:pPr algn="r" rtl="1"/>
+            <a:r>
+              <a:rPr lang="he-IL" dirty="0"/>
+              <a:t>החלטות שנצטרך לקבל במהלך העבודה:</a:t>
+            </a:r>
+          </a:p>
+          <a:p>
+            <a:pPr algn="r" rtl="1"/>
+            <a:r>
+              <a:rPr lang="he-IL" dirty="0"/>
+              <a:t>נצטרך להחליט אם בונים מודל אחד או כמה.</a:t>
+            </a:r>
+          </a:p>
+          <a:p>
+            <a:pPr algn="r" rtl="1"/>
+            <a:r>
+              <a:rPr lang="he-IL" dirty="0"/>
+              <a:t>האם לחזות 6 חיידקים זה מספיק? האם אפשר להשקיע משאבים בלחזות קבוצה גדולה יותר? מה ההבדלים בכלל בין 2 האפשרויות ברמת הדיוק של המודל ומבחינת </a:t>
+            </a:r>
+            <a:r>
+              <a:rPr lang="he-IL"/>
+              <a:t>זמני אימון?  </a:t>
+            </a:r>
+            <a:br>
+              <a:rPr lang="en-US" dirty="0"/>
+            </a:br>
+            <a:r>
+              <a:rPr lang="he-IL" dirty="0"/>
+              <a:t>נרצה להשתמש בממוצע הפשוט כמודל מתחרה למודל שלנו.</a:t>
+            </a:r>
+          </a:p>
+          <a:p>
+            <a:pPr algn="r" rtl="1"/>
+            <a:endParaRPr lang="he-IL" dirty="0"/>
+          </a:p>
+        </p:txBody>
+      </p:sp>
+      <p:sp>
+        <p:nvSpPr>
+          <p:cNvPr id="4" name="Slide Number Placeholder 3"/>
+          <p:cNvSpPr>
+            <a:spLocks noGrp="1"/>
+          </p:cNvSpPr>
+          <p:nvPr>
+            <p:ph type="sldNum" sz="quarter" idx="5"/>
+          </p:nvPr>
+        </p:nvSpPr>
+        <p:spPr/>
+        <p:txBody>
+          <a:bodyPr/>
+          <a:lstStyle/>
+          <a:p>
+            <a:fld id="{1953AF5B-F3A6-48BF-9D5A-53DBBACACE09}" type="slidenum">
+              <a:rPr lang="he-IL" smtClean="0"/>
+              <a:t>15</a:t>
+            </a:fld>
+            <a:endParaRPr lang="he-IL"/>
+          </a:p>
+        </p:txBody>
+      </p:sp>
+    </p:spTree>
+    <p:extLst>
+      <p:ext uri="{BB962C8B-B14F-4D97-AF65-F5344CB8AC3E}">
+        <p14:creationId xmlns:p14="http://schemas.microsoft.com/office/powerpoint/2010/main" val="2562373149"/>
       </p:ext>
     </p:extLst>
   </p:cSld>
@@ -1264,7 +1463,7 @@
           <a:bodyPr/>
           <a:lstStyle/>
           <a:p>
-            <a:pPr algn="r"/>
+            <a:pPr algn="r" rtl="1"/>
             <a:r>
               <a:rPr lang="he-IL" dirty="0"/>
               <a:t>כמה </a:t>
@@ -1279,7 +1478,7 @@
             </a:r>
           </a:p>
           <a:p>
-            <a:pPr algn="r"/>
+            <a:pPr algn="r" rtl="1"/>
             <a:r>
               <a:rPr lang="he-IL" dirty="0"/>
               <a:t>אפילו בין דגימות של אותו יום אנחנו רואים הבדלים </a:t>
@@ -1294,7 +1493,7 @@
             </a:r>
           </a:p>
           <a:p>
-            <a:pPr algn="r"/>
+            <a:pPr algn="r" rtl="1"/>
             <a:r>
               <a:rPr lang="he-IL" dirty="0"/>
               <a:t>הבדלים אלו עשויים להיות תוצאה של רעש – מדידה לא </a:t>
@@ -1318,7 +1517,7 @@
             <a:endParaRPr lang="en-US" dirty="0"/>
           </a:p>
           <a:p>
-            <a:pPr algn="r"/>
+            <a:pPr algn="r" rtl="1"/>
             <a:r>
               <a:rPr lang="he-IL" dirty="0"/>
               <a:t>נראה כי לדגימות באותו יום מטא-</a:t>
@@ -5398,8 +5597,8 @@
         </p:blipFill>
         <p:spPr>
           <a:xfrm>
-            <a:off x="1" y="10"/>
-            <a:ext cx="9669642" cy="6857990"/>
+            <a:off x="0" y="-1"/>
+            <a:ext cx="9669642" cy="6924675"/>
           </a:xfrm>
           <a:prstGeom prst="rect">
             <a:avLst/>
@@ -5774,8 +5973,8 @@
           </a:xfrm>
         </p:spPr>
       </p:pic>
-      <mc:AlternateContent xmlns:mc="http://schemas.openxmlformats.org/markup-compatibility/2006">
-        <mc:Choice xmlns:p14="http://schemas.microsoft.com/office/powerpoint/2010/main" Requires="p14">
+      <mc:AlternateContent xmlns:mc="http://schemas.openxmlformats.org/markup-compatibility/2006" xmlns:p14="http://schemas.microsoft.com/office/powerpoint/2010/main">
+        <mc:Choice Requires="p14">
           <p:contentPart p14:bwMode="auto" r:id="rId4">
             <p14:nvContentPartPr>
               <p14:cNvPr id="7" name="Ink 6">
@@ -5796,7 +5995,7 @@
             </p14:xfrm>
           </p:contentPart>
         </mc:Choice>
-        <mc:Fallback>
+        <mc:Fallback xmlns="">
           <p:pic>
             <p:nvPicPr>
               <p:cNvPr id="7" name="Ink 6">
@@ -6025,11 +6224,11 @@
   <p:clrMapOvr>
     <a:masterClrMapping/>
   </p:clrMapOvr>
-  <mc:AlternateContent xmlns:mc="http://schemas.openxmlformats.org/markup-compatibility/2006">
-    <mc:Choice xmlns:p14="http://schemas.microsoft.com/office/powerpoint/2010/main" Requires="p14">
+  <mc:AlternateContent xmlns:mc="http://schemas.openxmlformats.org/markup-compatibility/2006" xmlns:p14="http://schemas.microsoft.com/office/powerpoint/2010/main">
+    <mc:Choice Requires="p14">
       <p:transition spd="slow" p14:dur="2000" advClick="0"/>
     </mc:Choice>
-    <mc:Fallback>
+    <mc:Fallback xmlns="">
       <p:transition spd="slow" advClick="0"/>
     </mc:Fallback>
   </mc:AlternateContent>
@@ -6201,7 +6400,7 @@
           </p:nvPr>
         </p:nvPicPr>
         <p:blipFill>
-          <a:blip r:embed="rId2">
+          <a:blip r:embed="rId3">
             <a:extLst>
               <a:ext uri="{28A0092B-C50C-407E-A947-70E740481C1C}">
                 <a14:useLocalDpi xmlns:a14="http://schemas.microsoft.com/office/drawing/2010/main" val="0"/>
@@ -6233,8 +6432,8 @@
         </p:nvSpPr>
         <p:spPr>
           <a:xfrm>
-            <a:off x="838200" y="1793631"/>
-            <a:ext cx="5257800" cy="1384995"/>
+            <a:off x="66675" y="1793631"/>
+            <a:ext cx="6928306" cy="4832092"/>
           </a:xfrm>
           <a:prstGeom prst="rect">
             <a:avLst/>
@@ -6247,21 +6446,55 @@
           </a:bodyPr>
           <a:lstStyle/>
           <a:p>
-            <a:pPr marL="285750" indent="-285750">
-              <a:buFont typeface="Arial" panose="020B0604020202020204" pitchFamily="34" charset="0"/>
-              <a:buChar char="•"/>
+            <a:pPr marL="514350" indent="-514350">
+              <a:buFont typeface="+mj-lt"/>
+              <a:buAutoNum type="arabicPeriod"/>
+            </a:pPr>
+            <a:r>
+              <a:rPr lang="en-US" sz="2800" dirty="0"/>
+              <a:t>Correlation between bacteria – Bayesian model to predict changes in composition</a:t>
+            </a:r>
+          </a:p>
+          <a:p>
+            <a:pPr marL="514350" indent="-514350">
+              <a:buFont typeface="+mj-lt"/>
+              <a:buAutoNum type="arabicPeriod"/>
             </a:pPr>
             <a:endParaRPr lang="en-US" sz="2800" dirty="0"/>
           </a:p>
           <a:p>
-            <a:pPr marL="285750" indent="-285750">
-              <a:buFont typeface="Arial" panose="020B0604020202020204" pitchFamily="34" charset="0"/>
-              <a:buChar char="•"/>
+            <a:pPr marL="514350" indent="-514350">
+              <a:buFont typeface="+mj-lt"/>
+              <a:buAutoNum type="arabicPeriod"/>
             </a:pPr>
             <a:r>
               <a:rPr lang="en-US" sz="2800" dirty="0"/>
-              <a:t>Correlation between bacteria</a:t>
-            </a:r>
+              <a:t>Using the time differences between samples as weights </a:t>
+            </a:r>
+          </a:p>
+          <a:p>
+            <a:pPr marL="514350" indent="-514350">
+              <a:buFont typeface="+mj-lt"/>
+              <a:buAutoNum type="arabicPeriod"/>
+            </a:pPr>
+            <a:endParaRPr lang="en-US" sz="2800" dirty="0"/>
+          </a:p>
+          <a:p>
+            <a:pPr marL="514350" indent="-514350">
+              <a:buFont typeface="+mj-lt"/>
+              <a:buAutoNum type="arabicPeriod"/>
+            </a:pPr>
+            <a:r>
+              <a:rPr lang="en-US" sz="2800" dirty="0"/>
+              <a:t>Using the metadata for fine-tuning of the prediction</a:t>
+            </a:r>
+          </a:p>
+          <a:p>
+            <a:pPr marL="514350" indent="-514350">
+              <a:buFont typeface="+mj-lt"/>
+              <a:buAutoNum type="arabicPeriod"/>
+            </a:pPr>
+            <a:endParaRPr lang="en-US" sz="2800" dirty="0"/>
           </a:p>
           <a:p>
             <a:pPr marL="285750" indent="-285750">
@@ -6438,7 +6671,7 @@
           <a:lstStyle/>
           <a:p>
             <a:r>
-              <a:rPr lang="en-US" dirty="0"/>
+              <a:rPr lang="en-US"/>
               <a:t>Data Overview</a:t>
             </a:r>
             <a:endParaRPr lang="he-IL" dirty="0"/>
@@ -6473,21 +6706,13 @@
           <a:p>
             <a:r>
               <a:rPr lang="en-US" dirty="0"/>
-              <a:t>We have 6,096 samples taken from 80 baboons – 76.2 samples per baboon on average.</a:t>
+              <a:t>We have 6,096 samples taken from 80 baboons – 76.2 samples per baboon on avg.</a:t>
             </a:r>
           </a:p>
           <a:p>
             <a:r>
               <a:rPr lang="en-US" dirty="0"/>
-              <a:t>Time difference between 2 subsequent samples – </a:t>
-            </a:r>
-            <a:r>
-              <a:rPr lang="he-IL" dirty="0"/>
-              <a:t>46.849</a:t>
-            </a:r>
-            <a:r>
-              <a:rPr lang="en-US" dirty="0"/>
-              <a:t> days</a:t>
+              <a:t>Time difference between 2 subsequent samples – 46.849 days on avg.</a:t>
             </a:r>
           </a:p>
           <a:p>
@@ -6678,7 +6903,7 @@
         </p:blipFill>
         <p:spPr>
           <a:xfrm>
-            <a:off x="4211120" y="1160584"/>
+            <a:off x="4211120" y="1179634"/>
             <a:ext cx="7980880" cy="5545015"/>
           </a:xfrm>
           <a:prstGeom prst="rect">
@@ -6832,7 +7057,7 @@
           <a:lstStyle/>
           <a:p>
             <a:r>
-              <a:rPr lang="en-US" dirty="0"/>
+              <a:rPr lang="en-US"/>
               <a:t>Time difference between subsequent samples – potential problem</a:t>
             </a:r>
             <a:endParaRPr lang="en-IL" dirty="0"/>
@@ -6920,7 +7145,7 @@
               <a:buChar char="•"/>
             </a:pPr>
             <a:r>
-              <a:rPr lang="en-US" sz="2800" dirty="0">
+              <a:rPr lang="en-US" sz="2800">
                 <a:latin typeface="Calibri" panose="020F0502020204030204" pitchFamily="34" charset="0"/>
                 <a:ea typeface="Calibri" panose="020F0502020204030204" pitchFamily="34" charset="0"/>
                 <a:cs typeface="Calibri" panose="020F0502020204030204" pitchFamily="34" charset="0"/>
@@ -6934,7 +7159,7 @@
               <a:buChar char="•"/>
             </a:pPr>
             <a:r>
-              <a:rPr lang="en-US" sz="2800" dirty="0">
+              <a:rPr lang="en-US" sz="2800">
                 <a:latin typeface="Calibri" panose="020F0502020204030204" pitchFamily="34" charset="0"/>
                 <a:ea typeface="Calibri" panose="020F0502020204030204" pitchFamily="34" charset="0"/>
                 <a:cs typeface="Calibri" panose="020F0502020204030204" pitchFamily="34" charset="0"/>
@@ -6948,7 +7173,7 @@
               <a:buChar char="•"/>
             </a:pPr>
             <a:r>
-              <a:rPr lang="en-US" sz="2800" dirty="0">
+              <a:rPr lang="en-US" sz="2800">
                 <a:latin typeface="Calibri" panose="020F0502020204030204" pitchFamily="34" charset="0"/>
                 <a:ea typeface="Calibri" panose="020F0502020204030204" pitchFamily="34" charset="0"/>
                 <a:cs typeface="Calibri" panose="020F0502020204030204" pitchFamily="34" charset="0"/>
@@ -6962,7 +7187,7 @@
               <a:buChar char="•"/>
             </a:pPr>
             <a:r>
-              <a:rPr lang="en-US" sz="2800" dirty="0">
+              <a:rPr lang="en-US" sz="2800">
                 <a:latin typeface="Calibri" panose="020F0502020204030204" pitchFamily="34" charset="0"/>
                 <a:ea typeface="Calibri" panose="020F0502020204030204" pitchFamily="34" charset="0"/>
                 <a:cs typeface="Calibri" panose="020F0502020204030204" pitchFamily="34" charset="0"/>
@@ -6976,7 +7201,7 @@
               <a:buChar char="•"/>
             </a:pPr>
             <a:r>
-              <a:rPr lang="en-US" sz="2800" dirty="0">
+              <a:rPr lang="en-US" sz="2800">
                 <a:latin typeface="Calibri" panose="020F0502020204030204" pitchFamily="34" charset="0"/>
                 <a:ea typeface="Calibri" panose="020F0502020204030204" pitchFamily="34" charset="0"/>
                 <a:cs typeface="Calibri" panose="020F0502020204030204" pitchFamily="34" charset="0"/>
@@ -6985,7 +7210,7 @@
             </a:r>
           </a:p>
           <a:p>
-            <a:endParaRPr lang="en-US" sz="2800" dirty="0">
+            <a:endParaRPr lang="en-US" sz="2800">
               <a:latin typeface="Calibri" panose="020F0502020204030204" pitchFamily="34" charset="0"/>
               <a:ea typeface="Calibri" panose="020F0502020204030204" pitchFamily="34" charset="0"/>
               <a:cs typeface="Calibri" panose="020F0502020204030204" pitchFamily="34" charset="0"/>
@@ -6993,7 +7218,7 @@
           </a:p>
           <a:p>
             <a:r>
-              <a:rPr lang="en-US" sz="2800" b="1" dirty="0">
+              <a:rPr lang="en-US" sz="2800" b="1">
                 <a:latin typeface="Calibri" panose="020F0502020204030204" pitchFamily="34" charset="0"/>
                 <a:ea typeface="Calibri" panose="020F0502020204030204" pitchFamily="34" charset="0"/>
                 <a:cs typeface="Calibri" panose="020F0502020204030204" pitchFamily="34" charset="0"/>
@@ -7006,7 +7231,7 @@
               <a:buFont typeface="Arial" panose="020B0604020202020204" pitchFamily="34" charset="0"/>
               <a:buChar char="•"/>
             </a:pPr>
-            <a:endParaRPr lang="en-US" sz="2800" dirty="0">
+            <a:endParaRPr lang="en-US" sz="2800">
               <a:latin typeface="Calibri" panose="020F0502020204030204" pitchFamily="34" charset="0"/>
               <a:ea typeface="Calibri" panose="020F0502020204030204" pitchFamily="34" charset="0"/>
               <a:cs typeface="Calibri" panose="020F0502020204030204" pitchFamily="34" charset="0"/>
